--- a/template.pptx
+++ b/template.pptx
@@ -7,6 +7,9 @@
   <p:notesMasterIdLst>
     <p:notesMasterId r:id="rId2"/>
   </p:notesMasterIdLst>
+  <p:handoutMasterIdLst>
+    <p:handoutMasterId r:id="rId3"/>
+  </p:handoutMasterIdLst>
   <p:sldSz cx="12190413" cy="6859588"/>
   <p:notesSz cx="6858000" cy="9144000"/>
   <p:defaultTextStyle>
@@ -156,6 +159,171 @@
 </p:presentation>
 </file>
 
+<file path=ppt/handoutMasters/handoutMaster1.xml><?xml version="1.0" encoding="utf-8"?>
+<p:handoutMaster xmlns:a="http://schemas.openxmlformats.org/drawingml/2006/main" xmlns:r="http://schemas.openxmlformats.org/officeDocument/2006/relationships" xmlns:p="http://schemas.openxmlformats.org/presentationml/2006/main">
+  <p:cSld>
+    <p:bg>
+      <p:bgRef idx="1001">
+        <a:schemeClr val="bg1"/>
+      </p:bgRef>
+    </p:bg>
+    <p:spTree>
+      <p:nvGrpSpPr>
+        <p:cNvPr id="1" name=""/>
+        <p:cNvGrpSpPr/>
+        <p:nvPr/>
+      </p:nvGrpSpPr>
+      <p:grpSpPr>
+        <a:xfrm>
+          <a:off x="0" y="0"/>
+          <a:ext cx="0" cy="0"/>
+          <a:chOff x="0" y="0"/>
+          <a:chExt cx="0" cy="0"/>
+        </a:xfrm>
+      </p:grpSpPr>
+      <p:sp>
+        <p:nvSpPr>
+          <p:cNvPr id="2" name="页眉占位符 1"/>
+          <p:cNvSpPr>
+            <a:spLocks noGrp="1"/>
+          </p:cNvSpPr>
+          <p:nvPr>
+            <p:ph type="hdr" sz="quarter"/>
+          </p:nvPr>
+        </p:nvSpPr>
+        <p:spPr>
+          <a:xfrm>
+            <a:off x="0" y="0"/>
+            <a:ext cx="2971800" cy="458788"/>
+          </a:xfrm>
+          <a:prstGeom prst="rect">
+            <a:avLst/>
+          </a:prstGeom>
+        </p:spPr>
+        <p:txBody>
+          <a:bodyPr vert="horz" lIns="91440" tIns="45720" rIns="91440" bIns="45720" rtlCol="0"/>
+          <a:lstStyle>
+            <a:lvl1pPr algn="l">
+              <a:defRPr sz="1200"/>
+            </a:lvl1pPr>
+          </a:lstStyle>
+          <a:p>
+            <a:endParaRPr lang="zh-CN" altLang="en-US"/>
+          </a:p>
+        </p:txBody>
+      </p:sp>
+      <p:sp>
+        <p:nvSpPr>
+          <p:cNvPr id="3" name="日期占位符 2"/>
+          <p:cNvSpPr>
+            <a:spLocks noGrp="1"/>
+          </p:cNvSpPr>
+          <p:nvPr>
+            <p:ph type="dt" sz="quarter" idx="1"/>
+          </p:nvPr>
+        </p:nvSpPr>
+        <p:spPr>
+          <a:xfrm>
+            <a:off x="3884613" y="0"/>
+            <a:ext cx="2971800" cy="458788"/>
+          </a:xfrm>
+          <a:prstGeom prst="rect">
+            <a:avLst/>
+          </a:prstGeom>
+        </p:spPr>
+        <p:txBody>
+          <a:bodyPr vert="horz" lIns="91440" tIns="45720" rIns="91440" bIns="45720" rtlCol="0"/>
+          <a:lstStyle>
+            <a:lvl1pPr algn="r">
+              <a:defRPr sz="1200"/>
+            </a:lvl1pPr>
+          </a:lstStyle>
+          <a:p>
+            <a:fld id="{18F25082-3EA0-4E1E-B260-EA3DC95E8A0F}" type="datetimeFigureOut">
+              <a:rPr lang="zh-CN" altLang="en-US" smtClean="0"/>
+              <a:t>2017/9/20 Wednesday</a:t>
+            </a:fld>
+            <a:endParaRPr lang="zh-CN" altLang="en-US"/>
+          </a:p>
+        </p:txBody>
+      </p:sp>
+      <p:sp>
+        <p:nvSpPr>
+          <p:cNvPr id="4" name="页脚占位符 3"/>
+          <p:cNvSpPr>
+            <a:spLocks noGrp="1"/>
+          </p:cNvSpPr>
+          <p:nvPr>
+            <p:ph type="ftr" sz="quarter" idx="2"/>
+          </p:nvPr>
+        </p:nvSpPr>
+        <p:spPr>
+          <a:xfrm>
+            <a:off x="0" y="8685213"/>
+            <a:ext cx="2971800" cy="458787"/>
+          </a:xfrm>
+          <a:prstGeom prst="rect">
+            <a:avLst/>
+          </a:prstGeom>
+        </p:spPr>
+        <p:txBody>
+          <a:bodyPr vert="horz" lIns="91440" tIns="45720" rIns="91440" bIns="45720" rtlCol="0" anchor="b"/>
+          <a:lstStyle>
+            <a:lvl1pPr algn="l">
+              <a:defRPr sz="1200"/>
+            </a:lvl1pPr>
+          </a:lstStyle>
+          <a:p>
+            <a:endParaRPr lang="zh-CN" altLang="en-US"/>
+          </a:p>
+        </p:txBody>
+      </p:sp>
+      <p:sp>
+        <p:nvSpPr>
+          <p:cNvPr id="5" name="灯片编号占位符 4"/>
+          <p:cNvSpPr>
+            <a:spLocks noGrp="1"/>
+          </p:cNvSpPr>
+          <p:nvPr>
+            <p:ph type="sldNum" sz="quarter" idx="3"/>
+          </p:nvPr>
+        </p:nvSpPr>
+        <p:spPr>
+          <a:xfrm>
+            <a:off x="3884613" y="8685213"/>
+            <a:ext cx="2971800" cy="458787"/>
+          </a:xfrm>
+          <a:prstGeom prst="rect">
+            <a:avLst/>
+          </a:prstGeom>
+        </p:spPr>
+        <p:txBody>
+          <a:bodyPr vert="horz" lIns="91440" tIns="45720" rIns="91440" bIns="45720" rtlCol="0" anchor="b"/>
+          <a:lstStyle>
+            <a:lvl1pPr algn="r">
+              <a:defRPr sz="1200"/>
+            </a:lvl1pPr>
+          </a:lstStyle>
+          <a:p>
+            <a:fld id="{CDF1D58B-B296-40A2-B40E-B68C6922846E}" type="slidenum">
+              <a:rPr lang="zh-CN" altLang="en-US" smtClean="0"/>
+              <a:t>‹#›</a:t>
+            </a:fld>
+            <a:endParaRPr lang="zh-CN" altLang="en-US"/>
+          </a:p>
+        </p:txBody>
+      </p:sp>
+    </p:spTree>
+    <p:extLst>
+      <p:ext uri="{BB962C8B-B14F-4D97-AF65-F5344CB8AC3E}">
+        <p14:creationId xmlns:p14="http://schemas.microsoft.com/office/powerpoint/2010/main" val="1300604925"/>
+      </p:ext>
+    </p:extLst>
+  </p:cSld>
+  <p:clrMap bg1="lt1" tx1="dk1" bg2="lt2" tx2="dk2" accent1="accent1" accent2="accent2" accent3="accent3" accent4="accent4" accent5="accent5" accent6="accent6" hlink="hlink" folHlink="folHlink"/>
+</p:handoutMaster>
+</file>
+
 <file path=ppt/notesMasters/notesMaster1.xml><?xml version="1.0" encoding="utf-8"?>
 <p:notesMaster xmlns:a="http://schemas.openxmlformats.org/drawingml/2006/main" xmlns:r="http://schemas.openxmlformats.org/officeDocument/2006/relationships" xmlns:p="http://schemas.openxmlformats.org/presentationml/2006/main">
   <p:cSld>
@@ -256,7 +424,7 @@
               <a:pPr>
                 <a:defRPr/>
               </a:pPr>
-              <a:t>2017/9/7 Thursday</a:t>
+              <a:t>2017/9/20 Wednesday</a:t>
             </a:fld>
             <a:endParaRPr lang="zh-CN" altLang="en-US"/>
           </a:p>
@@ -734,16 +902,6 @@
               </a:spcAft>
             </a:pPr>
             <a:r>
-              <a:rPr lang="en-US" altLang="zh-CN" b="1" dirty="0" smtClean="0">
-                <a:solidFill>
-                  <a:srgbClr val="000000"/>
-                </a:solidFill>
-                <a:latin typeface="微软雅黑" pitchFamily="34" charset="-122"/>
-                <a:ea typeface="微软雅黑" pitchFamily="34" charset="-122"/>
-              </a:rPr>
-              <a:t>【</a:t>
-            </a:r>
-            <a:r>
               <a:rPr lang="zh-CN" altLang="en-US" b="1" dirty="0" smtClean="0">
                 <a:solidFill>
                   <a:srgbClr val="000000"/>
@@ -753,16 +911,13 @@
               </a:rPr>
               <a:t>土地市场</a:t>
             </a:r>
-            <a:r>
-              <a:rPr lang="en-US" altLang="zh-CN" b="1" dirty="0" smtClean="0">
-                <a:solidFill>
-                  <a:srgbClr val="000000"/>
-                </a:solidFill>
-                <a:latin typeface="微软雅黑" pitchFamily="34" charset="-122"/>
-                <a:ea typeface="微软雅黑" pitchFamily="34" charset="-122"/>
-              </a:rPr>
-              <a:t>】</a:t>
-            </a:r>
+            <a:endParaRPr lang="en-US" altLang="zh-CN" b="1" dirty="0" smtClean="0">
+              <a:solidFill>
+                <a:srgbClr val="000000"/>
+              </a:solidFill>
+              <a:latin typeface="微软雅黑" pitchFamily="34" charset="-122"/>
+              <a:ea typeface="微软雅黑" pitchFamily="34" charset="-122"/>
+            </a:endParaRPr>
           </a:p>
         </p:txBody>
       </p:sp>
@@ -776,8 +931,8 @@
         </p:nvSpPr>
         <p:spPr bwMode="auto">
           <a:xfrm>
-            <a:off x="1498344" y="1030925"/>
-            <a:ext cx="4466144" cy="307777"/>
+            <a:off x="1498344" y="1067148"/>
+            <a:ext cx="4466144" cy="276999"/>
           </a:xfrm>
           <a:prstGeom prst="rect">
             <a:avLst/>
@@ -797,7 +952,7 @@
           <a:lstStyle/>
           <a:p>
             <a:r>
-              <a:rPr lang="en-US" altLang="zh-CN" sz="1400" b="1" dirty="0" smtClean="0">
+              <a:rPr lang="en-US" altLang="zh-CN" sz="1200" b="0" dirty="0" smtClean="0">
                 <a:solidFill>
                   <a:srgbClr val="000000"/>
                 </a:solidFill>
@@ -807,7 +962,7 @@
               <a:t>2013-2017.8</a:t>
             </a:r>
             <a:r>
-              <a:rPr lang="zh-CN" altLang="en-US" sz="1400" b="1" dirty="0" smtClean="0">
+              <a:rPr lang="zh-CN" altLang="en-US" sz="1200" b="0" dirty="0" smtClean="0">
                 <a:solidFill>
                   <a:srgbClr val="000000"/>
                 </a:solidFill>
@@ -817,7 +972,7 @@
               <a:t>经营性</a:t>
             </a:r>
             <a:r>
-              <a:rPr lang="zh-CN" altLang="en-US" sz="1400" b="1" dirty="0">
+              <a:rPr lang="zh-CN" altLang="en-US" sz="1200" b="0" dirty="0">
                 <a:solidFill>
                   <a:srgbClr val="000000"/>
                 </a:solidFill>
@@ -827,7 +982,7 @@
               <a:t>用地成交物业类型</a:t>
             </a:r>
             <a:r>
-              <a:rPr lang="zh-CN" altLang="en-US" sz="1400" b="1" dirty="0" smtClean="0">
+              <a:rPr lang="zh-CN" altLang="en-US" sz="1200" b="0" dirty="0" smtClean="0">
                 <a:solidFill>
                   <a:srgbClr val="000000"/>
                 </a:solidFill>
@@ -836,68 +991,12 @@
               </a:rPr>
               <a:t>特征</a:t>
             </a:r>
-            <a:endParaRPr lang="zh-CN" altLang="en-US" sz="1400" b="1" dirty="0">
+            <a:endParaRPr lang="zh-CN" altLang="en-US" sz="1200" b="0" dirty="0">
               <a:solidFill>
                 <a:srgbClr val="000000"/>
               </a:solidFill>
               <a:latin typeface="微软雅黑" pitchFamily="34" charset="-122"/>
               <a:ea typeface="微软雅黑" pitchFamily="34" charset="-122"/>
-            </a:endParaRPr>
-          </a:p>
-        </p:txBody>
-      </p:sp>
-      <p:sp>
-        <p:nvSpPr>
-          <p:cNvPr id="7" name="文本框 6"/>
-          <p:cNvSpPr txBox="1"/>
-          <p:nvPr userDrawn="1"/>
-        </p:nvSpPr>
-        <p:spPr>
-          <a:xfrm>
-            <a:off x="108089" y="837506"/>
-            <a:ext cx="615553" cy="4968552"/>
-          </a:xfrm>
-          <a:prstGeom prst="rect">
-            <a:avLst/>
-          </a:prstGeom>
-          <a:noFill/>
-        </p:spPr>
-        <p:txBody>
-          <a:bodyPr vert="eaVert" wrap="square" rtlCol="0">
-            <a:spAutoFit/>
-          </a:bodyPr>
-          <a:lstStyle/>
-          <a:p>
-            <a:r>
-              <a:rPr lang="zh-CN" altLang="en-US" sz="2800" dirty="0" smtClean="0">
-                <a:solidFill>
-                  <a:srgbClr val="FBDCC8"/>
-                </a:solidFill>
-                <a:effectLst>
-                  <a:outerShdw blurRad="38100" dist="38100" dir="2700000" algn="tl">
-                    <a:srgbClr val="000000">
-                      <a:alpha val="43137"/>
-                    </a:srgbClr>
-                  </a:outerShdw>
-                </a:effectLst>
-                <a:latin typeface="微软雅黑" panose="020B0503020204020204" pitchFamily="34" charset="-122"/>
-                <a:ea typeface="微软雅黑" panose="020B0503020204020204" pitchFamily="34" charset="-122"/>
-              </a:rPr>
-              <a:t>板块投资机会</a:t>
-            </a:r>
-            <a:endParaRPr lang="zh-CN" altLang="en-US" sz="2800" dirty="0">
-              <a:solidFill>
-                <a:srgbClr val="FBDCC8"/>
-              </a:solidFill>
-              <a:effectLst>
-                <a:outerShdw blurRad="38100" dist="38100" dir="2700000" algn="tl">
-                  <a:srgbClr val="000000">
-                    <a:alpha val="43137"/>
-                  </a:srgbClr>
-                </a:outerShdw>
-              </a:effectLst>
-              <a:latin typeface="微软雅黑" panose="020B0503020204020204" pitchFamily="34" charset="-122"/>
-              <a:ea typeface="微软雅黑" panose="020B0503020204020204" pitchFamily="34" charset="-122"/>
             </a:endParaRPr>
           </a:p>
         </p:txBody>
@@ -912,8 +1011,8 @@
         </p:nvSpPr>
         <p:spPr bwMode="auto">
           <a:xfrm>
-            <a:off x="6240870" y="1030925"/>
-            <a:ext cx="5651604" cy="307777"/>
+            <a:off x="6240870" y="1067148"/>
+            <a:ext cx="5651604" cy="276999"/>
           </a:xfrm>
           <a:prstGeom prst="rect">
             <a:avLst/>
@@ -933,7 +1032,7 @@
           <a:lstStyle/>
           <a:p>
             <a:r>
-              <a:rPr lang="en-US" altLang="zh-CN" sz="1400" b="1" dirty="0" smtClean="0">
+              <a:rPr lang="en-US" altLang="zh-CN" sz="1200" b="0" dirty="0" smtClean="0">
                 <a:solidFill>
                   <a:srgbClr val="000000"/>
                 </a:solidFill>
@@ -943,17 +1042,17 @@
               <a:t>2013-2017.8</a:t>
             </a:r>
             <a:r>
-              <a:rPr lang="zh-CN" altLang="en-US" sz="1400" b="1" dirty="0" smtClean="0">
+              <a:rPr lang="zh-CN" altLang="en-US" sz="1200" b="0" dirty="0" smtClean="0">
                 <a:solidFill>
                   <a:srgbClr val="000000"/>
                 </a:solidFill>
                 <a:latin typeface="微软雅黑" pitchFamily="34" charset="-122"/>
                 <a:ea typeface="微软雅黑" pitchFamily="34" charset="-122"/>
               </a:rPr>
-              <a:t>含住宅类用</a:t>
-            </a:r>
-            <a:r>
-              <a:rPr lang="zh-CN" altLang="en-US" sz="1400" b="1" dirty="0">
+              <a:t>住宅用</a:t>
+            </a:r>
+            <a:r>
+              <a:rPr lang="zh-CN" altLang="en-US" sz="1200" b="0" dirty="0">
                 <a:solidFill>
                   <a:srgbClr val="000000"/>
                 </a:solidFill>
@@ -963,7 +1062,7 @@
               <a:t>地</a:t>
             </a:r>
             <a:r>
-              <a:rPr lang="zh-CN" altLang="en-US" sz="1400" b="1" dirty="0" smtClean="0">
+              <a:rPr lang="zh-CN" altLang="en-US" sz="1200" b="0" dirty="0" smtClean="0">
                 <a:solidFill>
                   <a:srgbClr val="000000"/>
                 </a:solidFill>
@@ -972,7 +1071,7 @@
               </a:rPr>
               <a:t>成交可建面积与商品住宅成交面积</a:t>
             </a:r>
-            <a:endParaRPr lang="zh-CN" altLang="en-US" sz="1400" b="1" dirty="0">
+            <a:endParaRPr lang="zh-CN" altLang="en-US" sz="1200" b="0" dirty="0">
               <a:solidFill>
                 <a:srgbClr val="000000"/>
               </a:solidFill>
@@ -992,8 +1091,8 @@
         </p:nvSpPr>
         <p:spPr bwMode="auto">
           <a:xfrm>
-            <a:off x="1498344" y="3645818"/>
-            <a:ext cx="4466144" cy="307777"/>
+            <a:off x="1498344" y="3682041"/>
+            <a:ext cx="4466144" cy="276999"/>
           </a:xfrm>
           <a:prstGeom prst="rect">
             <a:avLst/>
@@ -1013,7 +1112,7 @@
           <a:lstStyle/>
           <a:p>
             <a:r>
-              <a:rPr lang="en-US" altLang="zh-CN" sz="1400" b="1" dirty="0" smtClean="0">
+              <a:rPr lang="en-US" altLang="zh-CN" sz="1200" b="0" dirty="0" smtClean="0">
                 <a:solidFill>
                   <a:srgbClr val="000000"/>
                 </a:solidFill>
@@ -1023,7 +1122,7 @@
               <a:t>2013-2017.8</a:t>
             </a:r>
             <a:r>
-              <a:rPr lang="zh-CN" altLang="en-US" sz="1400" b="1" dirty="0">
+              <a:rPr lang="zh-CN" altLang="en-US" sz="1200" b="0" dirty="0">
                 <a:solidFill>
                   <a:srgbClr val="000000"/>
                 </a:solidFill>
@@ -1033,7 +1132,7 @@
               <a:t>含住宅</a:t>
             </a:r>
             <a:r>
-              <a:rPr lang="zh-CN" altLang="en-US" sz="1400" b="1" dirty="0" smtClean="0">
+              <a:rPr lang="zh-CN" altLang="en-US" sz="1200" b="0" dirty="0" smtClean="0">
                 <a:solidFill>
                   <a:srgbClr val="000000"/>
                 </a:solidFill>
@@ -1042,7 +1141,7 @@
               </a:rPr>
               <a:t>类用地楼板价及楼价房价比</a:t>
             </a:r>
-            <a:endParaRPr lang="zh-CN" altLang="en-US" sz="1400" b="1" dirty="0">
+            <a:endParaRPr lang="zh-CN" altLang="en-US" sz="1200" b="0" dirty="0">
               <a:solidFill>
                 <a:srgbClr val="000000"/>
               </a:solidFill>
@@ -1895,62 +1994,6 @@
       </p:sp>
       <p:sp>
         <p:nvSpPr>
-          <p:cNvPr id="5" name="文本框 4"/>
-          <p:cNvSpPr txBox="1"/>
-          <p:nvPr userDrawn="1"/>
-        </p:nvSpPr>
-        <p:spPr>
-          <a:xfrm>
-            <a:off x="108089" y="837506"/>
-            <a:ext cx="615553" cy="4968552"/>
-          </a:xfrm>
-          <a:prstGeom prst="rect">
-            <a:avLst/>
-          </a:prstGeom>
-          <a:noFill/>
-        </p:spPr>
-        <p:txBody>
-          <a:bodyPr vert="eaVert" wrap="square" rtlCol="0">
-            <a:spAutoFit/>
-          </a:bodyPr>
-          <a:lstStyle/>
-          <a:p>
-            <a:r>
-              <a:rPr lang="zh-CN" altLang="en-US" sz="2800" dirty="0" smtClean="0">
-                <a:solidFill>
-                  <a:srgbClr val="FBDCC8"/>
-                </a:solidFill>
-                <a:effectLst>
-                  <a:outerShdw blurRad="38100" dist="38100" dir="2700000" algn="tl">
-                    <a:srgbClr val="000000">
-                      <a:alpha val="43137"/>
-                    </a:srgbClr>
-                  </a:outerShdw>
-                </a:effectLst>
-                <a:latin typeface="微软雅黑" panose="020B0503020204020204" pitchFamily="34" charset="-122"/>
-                <a:ea typeface="微软雅黑" panose="020B0503020204020204" pitchFamily="34" charset="-122"/>
-              </a:rPr>
-              <a:t>板块投资机会</a:t>
-            </a:r>
-            <a:endParaRPr lang="zh-CN" altLang="en-US" sz="2800" dirty="0">
-              <a:solidFill>
-                <a:srgbClr val="FBDCC8"/>
-              </a:solidFill>
-              <a:effectLst>
-                <a:outerShdw blurRad="38100" dist="38100" dir="2700000" algn="tl">
-                  <a:srgbClr val="000000">
-                    <a:alpha val="43137"/>
-                  </a:srgbClr>
-                </a:outerShdw>
-              </a:effectLst>
-              <a:latin typeface="微软雅黑" panose="020B0503020204020204" pitchFamily="34" charset="-122"/>
-              <a:ea typeface="微软雅黑" panose="020B0503020204020204" pitchFamily="34" charset="-122"/>
-            </a:endParaRPr>
-          </a:p>
-        </p:txBody>
-      </p:sp>
-      <p:sp>
-        <p:nvSpPr>
           <p:cNvPr id="9" name="文本占位符 8"/>
           <p:cNvSpPr>
             <a:spLocks noGrp="1"/>
@@ -2057,16 +2100,6 @@
               </a:spcAft>
             </a:pPr>
             <a:r>
-              <a:rPr lang="en-US" altLang="zh-CN" b="1" dirty="0" smtClean="0">
-                <a:solidFill>
-                  <a:srgbClr val="000000"/>
-                </a:solidFill>
-                <a:latin typeface="微软雅黑" pitchFamily="34" charset="-122"/>
-                <a:ea typeface="微软雅黑" pitchFamily="34" charset="-122"/>
-              </a:rPr>
-              <a:t>【</a:t>
-            </a:r>
-            <a:r>
               <a:rPr lang="zh-CN" altLang="en-US" b="1" dirty="0" smtClean="0">
                 <a:solidFill>
                   <a:srgbClr val="000000"/>
@@ -2076,36 +2109,13 @@
               </a:rPr>
               <a:t>片区</a:t>
             </a:r>
-            <a:r>
-              <a:rPr lang="en-US" altLang="zh-CN" b="1" dirty="0" smtClean="0">
-                <a:solidFill>
-                  <a:srgbClr val="000000"/>
-                </a:solidFill>
-                <a:latin typeface="微软雅黑" pitchFamily="34" charset="-122"/>
-                <a:ea typeface="微软雅黑" pitchFamily="34" charset="-122"/>
-              </a:rPr>
-              <a:t>-</a:t>
-            </a:r>
-            <a:r>
-              <a:rPr lang="zh-CN" altLang="en-US" b="1" dirty="0" smtClean="0">
-                <a:solidFill>
-                  <a:srgbClr val="000000"/>
-                </a:solidFill>
-                <a:latin typeface="微软雅黑" pitchFamily="34" charset="-122"/>
-                <a:ea typeface="微软雅黑" pitchFamily="34" charset="-122"/>
-              </a:rPr>
-              <a:t>市场量价</a:t>
-            </a:r>
-            <a:r>
-              <a:rPr lang="en-US" altLang="zh-CN" b="1" dirty="0" smtClean="0">
-                <a:solidFill>
-                  <a:srgbClr val="000000"/>
-                </a:solidFill>
-                <a:latin typeface="微软雅黑" pitchFamily="34" charset="-122"/>
-                <a:ea typeface="微软雅黑" pitchFamily="34" charset="-122"/>
-              </a:rPr>
-              <a:t>】</a:t>
-            </a:r>
+            <a:endParaRPr lang="en-US" altLang="zh-CN" b="1" dirty="0" smtClean="0">
+              <a:solidFill>
+                <a:srgbClr val="000000"/>
+              </a:solidFill>
+              <a:latin typeface="微软雅黑" pitchFamily="34" charset="-122"/>
+              <a:ea typeface="微软雅黑" pitchFamily="34" charset="-122"/>
+            </a:endParaRPr>
           </a:p>
         </p:txBody>
       </p:sp>
@@ -2121,7 +2131,7 @@
         </p:nvSpPr>
         <p:spPr>
           <a:xfrm>
-            <a:off x="1774726" y="549474"/>
+            <a:off x="1774800" y="518012"/>
             <a:ext cx="10117237" cy="306388"/>
           </a:xfrm>
         </p:spPr>
@@ -2344,7 +2354,7 @@
                 <a:latin typeface="微软雅黑" pitchFamily="34" charset="-122"/>
                 <a:ea typeface="微软雅黑" pitchFamily="34" charset="-122"/>
               </a:rPr>
-              <a:t>6</a:t>
+              <a:t>12</a:t>
             </a:r>
             <a:r>
               <a:rPr lang="zh-CN" altLang="en-US" sz="1200" dirty="0" smtClean="0">
@@ -2365,138 +2375,6 @@
                   <a:lumMod val="75000"/>
                   <a:lumOff val="25000"/>
                 </a:schemeClr>
-              </a:solidFill>
-              <a:latin typeface="微软雅黑" pitchFamily="34" charset="-122"/>
-              <a:ea typeface="微软雅黑" pitchFamily="34" charset="-122"/>
-            </a:endParaRPr>
-          </a:p>
-        </p:txBody>
-      </p:sp>
-      <p:sp>
-        <p:nvSpPr>
-          <p:cNvPr id="21" name="文本占位符 20"/>
-          <p:cNvSpPr>
-            <a:spLocks noGrp="1"/>
-          </p:cNvSpPr>
-          <p:nvPr>
-            <p:ph type="body" sz="quarter" idx="14" hasCustomPrompt="1"/>
-          </p:nvPr>
-        </p:nvSpPr>
-        <p:spPr>
-          <a:xfrm>
-            <a:off x="1522800" y="853200"/>
-            <a:ext cx="5673600" cy="309600"/>
-          </a:xfrm>
-        </p:spPr>
-        <p:txBody>
-          <a:bodyPr/>
-          <a:lstStyle>
-            <a:lvl1pPr marL="0" indent="0" algn="l" rtl="0" eaLnBrk="0" fontAlgn="base" hangingPunct="0">
-              <a:spcBef>
-                <a:spcPct val="0"/>
-              </a:spcBef>
-              <a:spcAft>
-                <a:spcPct val="0"/>
-              </a:spcAft>
-              <a:buNone/>
-              <a:defRPr lang="zh-CN" altLang="en-US" sz="1400" b="1" kern="1200" dirty="0" smtClean="0">
-                <a:solidFill>
-                  <a:srgbClr val="000000"/>
-                </a:solidFill>
-                <a:latin typeface="微软雅黑" pitchFamily="34" charset="-122"/>
-                <a:ea typeface="微软雅黑" pitchFamily="34" charset="-122"/>
-                <a:cs typeface="+mn-cs"/>
-              </a:defRPr>
-            </a:lvl1pPr>
-            <a:lvl2pPr algn="l" rtl="0" eaLnBrk="0" fontAlgn="base" hangingPunct="0">
-              <a:spcBef>
-                <a:spcPct val="0"/>
-              </a:spcBef>
-              <a:spcAft>
-                <a:spcPct val="0"/>
-              </a:spcAft>
-              <a:defRPr lang="zh-CN" altLang="en-US" sz="1400" b="1" kern="1200" dirty="0" smtClean="0">
-                <a:solidFill>
-                  <a:srgbClr val="000000"/>
-                </a:solidFill>
-                <a:latin typeface="微软雅黑" pitchFamily="34" charset="-122"/>
-                <a:ea typeface="微软雅黑" pitchFamily="34" charset="-122"/>
-                <a:cs typeface="+mn-cs"/>
-              </a:defRPr>
-            </a:lvl2pPr>
-            <a:lvl3pPr algn="l" rtl="0" eaLnBrk="0" fontAlgn="base" hangingPunct="0">
-              <a:spcBef>
-                <a:spcPct val="0"/>
-              </a:spcBef>
-              <a:spcAft>
-                <a:spcPct val="0"/>
-              </a:spcAft>
-              <a:defRPr lang="zh-CN" altLang="en-US" sz="1400" b="1" kern="1200" dirty="0" smtClean="0">
-                <a:solidFill>
-                  <a:srgbClr val="000000"/>
-                </a:solidFill>
-                <a:latin typeface="微软雅黑" pitchFamily="34" charset="-122"/>
-                <a:ea typeface="微软雅黑" pitchFamily="34" charset="-122"/>
-                <a:cs typeface="+mn-cs"/>
-              </a:defRPr>
-            </a:lvl3pPr>
-            <a:lvl4pPr algn="l" rtl="0" eaLnBrk="0" fontAlgn="base" hangingPunct="0">
-              <a:spcBef>
-                <a:spcPct val="0"/>
-              </a:spcBef>
-              <a:spcAft>
-                <a:spcPct val="0"/>
-              </a:spcAft>
-              <a:defRPr lang="zh-CN" altLang="en-US" sz="1400" b="1" kern="1200" dirty="0" smtClean="0">
-                <a:solidFill>
-                  <a:srgbClr val="000000"/>
-                </a:solidFill>
-                <a:latin typeface="微软雅黑" pitchFamily="34" charset="-122"/>
-                <a:ea typeface="微软雅黑" pitchFamily="34" charset="-122"/>
-                <a:cs typeface="+mn-cs"/>
-              </a:defRPr>
-            </a:lvl4pPr>
-            <a:lvl5pPr algn="l" rtl="0" eaLnBrk="0" fontAlgn="base" hangingPunct="0">
-              <a:spcBef>
-                <a:spcPct val="0"/>
-              </a:spcBef>
-              <a:spcAft>
-                <a:spcPct val="0"/>
-              </a:spcAft>
-              <a:defRPr lang="zh-CN" altLang="en-US" sz="1400" b="1" kern="1200" dirty="0">
-                <a:solidFill>
-                  <a:srgbClr val="000000"/>
-                </a:solidFill>
-                <a:latin typeface="微软雅黑" pitchFamily="34" charset="-122"/>
-                <a:ea typeface="微软雅黑" pitchFamily="34" charset="-122"/>
-                <a:cs typeface="+mn-cs"/>
-              </a:defRPr>
-            </a:lvl5pPr>
-          </a:lstStyle>
-          <a:p>
-            <a:r>
-              <a:rPr lang="en-US" altLang="zh-CN" sz="1400" b="1" dirty="0" smtClean="0">
-                <a:solidFill>
-                  <a:srgbClr val="000000"/>
-                </a:solidFill>
-                <a:latin typeface="微软雅黑" pitchFamily="34" charset="-122"/>
-                <a:ea typeface="微软雅黑" pitchFamily="34" charset="-122"/>
-              </a:rPr>
-              <a:t>2007-2017.8</a:t>
-            </a:r>
-            <a:r>
-              <a:rPr lang="zh-CN" altLang="en-US" sz="1400" b="1" dirty="0" smtClean="0">
-                <a:solidFill>
-                  <a:srgbClr val="000000"/>
-                </a:solidFill>
-                <a:latin typeface="微软雅黑" pitchFamily="34" charset="-122"/>
-                <a:ea typeface="微软雅黑" pitchFamily="34" charset="-122"/>
-              </a:rPr>
-              <a:t>片区商品住宅年度供销走势</a:t>
-            </a:r>
-            <a:endParaRPr lang="zh-CN" altLang="en-US" sz="1400" b="1" dirty="0">
-              <a:solidFill>
-                <a:srgbClr val="000000"/>
               </a:solidFill>
               <a:latin typeface="微软雅黑" pitchFamily="34" charset="-122"/>
               <a:ea typeface="微软雅黑" pitchFamily="34" charset="-122"/>
@@ -2516,8 +2394,8 @@
         </p:nvSpPr>
         <p:spPr>
           <a:xfrm>
-            <a:off x="1522800" y="1162800"/>
-            <a:ext cx="5673600" cy="2379600"/>
+            <a:off x="1522800" y="1406925"/>
+            <a:ext cx="5673600" cy="2102021"/>
           </a:xfrm>
         </p:spPr>
         <p:txBody>
@@ -2529,158 +2407,6 @@
               <a:t>1</a:t>
             </a:r>
             <a:endParaRPr lang="zh-CN" altLang="en-US" dirty="0"/>
-          </a:p>
-        </p:txBody>
-      </p:sp>
-      <p:sp>
-        <p:nvSpPr>
-          <p:cNvPr id="24" name="文本占位符 20"/>
-          <p:cNvSpPr>
-            <a:spLocks noGrp="1"/>
-          </p:cNvSpPr>
-          <p:nvPr>
-            <p:ph type="body" sz="quarter" idx="16" hasCustomPrompt="1"/>
-          </p:nvPr>
-        </p:nvSpPr>
-        <p:spPr>
-          <a:xfrm>
-            <a:off x="7171200" y="853200"/>
-            <a:ext cx="4885200" cy="309600"/>
-          </a:xfrm>
-        </p:spPr>
-        <p:txBody>
-          <a:bodyPr/>
-          <a:lstStyle>
-            <a:lvl1pPr marL="0" indent="0" algn="l" rtl="0" eaLnBrk="0" fontAlgn="base" hangingPunct="0">
-              <a:spcBef>
-                <a:spcPct val="0"/>
-              </a:spcBef>
-              <a:spcAft>
-                <a:spcPct val="0"/>
-              </a:spcAft>
-              <a:buNone/>
-              <a:defRPr lang="zh-CN" altLang="en-US" sz="1400" b="1" kern="1200" dirty="0" smtClean="0">
-                <a:solidFill>
-                  <a:srgbClr val="000000"/>
-                </a:solidFill>
-                <a:latin typeface="微软雅黑" pitchFamily="34" charset="-122"/>
-                <a:ea typeface="微软雅黑" pitchFamily="34" charset="-122"/>
-                <a:cs typeface="+mn-cs"/>
-              </a:defRPr>
-            </a:lvl1pPr>
-            <a:lvl2pPr algn="l" rtl="0" eaLnBrk="0" fontAlgn="base" hangingPunct="0">
-              <a:spcBef>
-                <a:spcPct val="0"/>
-              </a:spcBef>
-              <a:spcAft>
-                <a:spcPct val="0"/>
-              </a:spcAft>
-              <a:defRPr lang="zh-CN" altLang="en-US" sz="1400" b="1" kern="1200" dirty="0" smtClean="0">
-                <a:solidFill>
-                  <a:srgbClr val="000000"/>
-                </a:solidFill>
-                <a:latin typeface="微软雅黑" pitchFamily="34" charset="-122"/>
-                <a:ea typeface="微软雅黑" pitchFamily="34" charset="-122"/>
-                <a:cs typeface="+mn-cs"/>
-              </a:defRPr>
-            </a:lvl2pPr>
-            <a:lvl3pPr algn="l" rtl="0" eaLnBrk="0" fontAlgn="base" hangingPunct="0">
-              <a:spcBef>
-                <a:spcPct val="0"/>
-              </a:spcBef>
-              <a:spcAft>
-                <a:spcPct val="0"/>
-              </a:spcAft>
-              <a:defRPr lang="zh-CN" altLang="en-US" sz="1400" b="1" kern="1200" dirty="0" smtClean="0">
-                <a:solidFill>
-                  <a:srgbClr val="000000"/>
-                </a:solidFill>
-                <a:latin typeface="微软雅黑" pitchFamily="34" charset="-122"/>
-                <a:ea typeface="微软雅黑" pitchFamily="34" charset="-122"/>
-                <a:cs typeface="+mn-cs"/>
-              </a:defRPr>
-            </a:lvl3pPr>
-            <a:lvl4pPr algn="l" rtl="0" eaLnBrk="0" fontAlgn="base" hangingPunct="0">
-              <a:spcBef>
-                <a:spcPct val="0"/>
-              </a:spcBef>
-              <a:spcAft>
-                <a:spcPct val="0"/>
-              </a:spcAft>
-              <a:defRPr lang="zh-CN" altLang="en-US" sz="1400" b="1" kern="1200" dirty="0" smtClean="0">
-                <a:solidFill>
-                  <a:srgbClr val="000000"/>
-                </a:solidFill>
-                <a:latin typeface="微软雅黑" pitchFamily="34" charset="-122"/>
-                <a:ea typeface="微软雅黑" pitchFamily="34" charset="-122"/>
-                <a:cs typeface="+mn-cs"/>
-              </a:defRPr>
-            </a:lvl4pPr>
-            <a:lvl5pPr algn="l" rtl="0" eaLnBrk="0" fontAlgn="base" hangingPunct="0">
-              <a:spcBef>
-                <a:spcPct val="0"/>
-              </a:spcBef>
-              <a:spcAft>
-                <a:spcPct val="0"/>
-              </a:spcAft>
-              <a:defRPr lang="zh-CN" altLang="en-US" sz="1400" b="1" kern="1200" dirty="0">
-                <a:solidFill>
-                  <a:srgbClr val="000000"/>
-                </a:solidFill>
-                <a:latin typeface="微软雅黑" pitchFamily="34" charset="-122"/>
-                <a:ea typeface="微软雅黑" pitchFamily="34" charset="-122"/>
-                <a:cs typeface="+mn-cs"/>
-              </a:defRPr>
-            </a:lvl5pPr>
-          </a:lstStyle>
-          <a:p>
-            <a:r>
-              <a:rPr lang="en-US" altLang="zh-CN" sz="1400" b="1" dirty="0" smtClean="0">
-                <a:solidFill>
-                  <a:srgbClr val="000000"/>
-                </a:solidFill>
-                <a:latin typeface="微软雅黑" pitchFamily="34" charset="-122"/>
-                <a:ea typeface="微软雅黑" pitchFamily="34" charset="-122"/>
-              </a:rPr>
-              <a:t>2017</a:t>
-            </a:r>
-            <a:r>
-              <a:rPr lang="zh-CN" altLang="en-US" sz="1400" b="1" dirty="0" smtClean="0">
-                <a:solidFill>
-                  <a:srgbClr val="000000"/>
-                </a:solidFill>
-                <a:latin typeface="微软雅黑" pitchFamily="34" charset="-122"/>
-                <a:ea typeface="微软雅黑" pitchFamily="34" charset="-122"/>
-              </a:rPr>
-              <a:t>年</a:t>
-            </a:r>
-            <a:r>
-              <a:rPr lang="en-US" altLang="zh-CN" sz="1400" b="1" dirty="0" smtClean="0">
-                <a:solidFill>
-                  <a:srgbClr val="000000"/>
-                </a:solidFill>
-                <a:latin typeface="微软雅黑" pitchFamily="34" charset="-122"/>
-                <a:ea typeface="微软雅黑" pitchFamily="34" charset="-122"/>
-              </a:rPr>
-              <a:t>1-8</a:t>
-            </a:r>
-            <a:r>
-              <a:rPr lang="zh-CN" altLang="en-US" sz="1400" b="1" dirty="0" smtClean="0">
-                <a:solidFill>
-                  <a:srgbClr val="000000"/>
-                </a:solidFill>
-                <a:latin typeface="微软雅黑" pitchFamily="34" charset="-122"/>
-                <a:ea typeface="微软雅黑" pitchFamily="34" charset="-122"/>
-              </a:rPr>
-              <a:t>月片区商品住宅月度供销走势</a:t>
-            </a:r>
-            <a:endParaRPr lang="zh-CN" altLang="en-US" sz="1400" b="1" dirty="0">
-              <a:solidFill>
-                <a:srgbClr val="000000"/>
-              </a:solidFill>
-              <a:latin typeface="微软雅黑" pitchFamily="34" charset="-122"/>
-              <a:ea typeface="微软雅黑" pitchFamily="34" charset="-122"/>
-            </a:endParaRPr>
           </a:p>
         </p:txBody>
       </p:sp>
@@ -2696,8 +2422,8 @@
         </p:nvSpPr>
         <p:spPr>
           <a:xfrm>
-            <a:off x="7171200" y="1162800"/>
-            <a:ext cx="4885200" cy="2379600"/>
+            <a:off x="7171200" y="1406925"/>
+            <a:ext cx="4885200" cy="2102021"/>
           </a:xfrm>
         </p:spPr>
         <p:txBody>
@@ -2709,148 +2435,6 @@
               <a:t>2</a:t>
             </a:r>
             <a:endParaRPr lang="zh-CN" altLang="en-US" dirty="0"/>
-          </a:p>
-        </p:txBody>
-      </p:sp>
-      <p:sp>
-        <p:nvSpPr>
-          <p:cNvPr id="26" name="文本占位符 20"/>
-          <p:cNvSpPr>
-            <a:spLocks noGrp="1"/>
-          </p:cNvSpPr>
-          <p:nvPr>
-            <p:ph type="body" sz="quarter" idx="18" hasCustomPrompt="1"/>
-          </p:nvPr>
-        </p:nvSpPr>
-        <p:spPr>
-          <a:xfrm>
-            <a:off x="1522800" y="3553200"/>
-            <a:ext cx="5673600" cy="309600"/>
-          </a:xfrm>
-        </p:spPr>
-        <p:txBody>
-          <a:bodyPr/>
-          <a:lstStyle>
-            <a:lvl1pPr marL="0" indent="0" algn="l" rtl="0" eaLnBrk="0" fontAlgn="base" hangingPunct="0">
-              <a:spcBef>
-                <a:spcPct val="0"/>
-              </a:spcBef>
-              <a:spcAft>
-                <a:spcPct val="0"/>
-              </a:spcAft>
-              <a:buNone/>
-              <a:defRPr lang="zh-CN" altLang="en-US" sz="1400" b="1" kern="1200" dirty="0" smtClean="0">
-                <a:solidFill>
-                  <a:srgbClr val="000000"/>
-                </a:solidFill>
-                <a:latin typeface="微软雅黑" pitchFamily="34" charset="-122"/>
-                <a:ea typeface="微软雅黑" pitchFamily="34" charset="-122"/>
-                <a:cs typeface="+mn-cs"/>
-              </a:defRPr>
-            </a:lvl1pPr>
-            <a:lvl2pPr algn="l" rtl="0" eaLnBrk="0" fontAlgn="base" hangingPunct="0">
-              <a:spcBef>
-                <a:spcPct val="0"/>
-              </a:spcBef>
-              <a:spcAft>
-                <a:spcPct val="0"/>
-              </a:spcAft>
-              <a:defRPr lang="zh-CN" altLang="en-US" sz="1400" b="1" kern="1200" dirty="0" smtClean="0">
-                <a:solidFill>
-                  <a:srgbClr val="000000"/>
-                </a:solidFill>
-                <a:latin typeface="微软雅黑" pitchFamily="34" charset="-122"/>
-                <a:ea typeface="微软雅黑" pitchFamily="34" charset="-122"/>
-                <a:cs typeface="+mn-cs"/>
-              </a:defRPr>
-            </a:lvl2pPr>
-            <a:lvl3pPr algn="l" rtl="0" eaLnBrk="0" fontAlgn="base" hangingPunct="0">
-              <a:spcBef>
-                <a:spcPct val="0"/>
-              </a:spcBef>
-              <a:spcAft>
-                <a:spcPct val="0"/>
-              </a:spcAft>
-              <a:defRPr lang="zh-CN" altLang="en-US" sz="1400" b="1" kern="1200" dirty="0" smtClean="0">
-                <a:solidFill>
-                  <a:srgbClr val="000000"/>
-                </a:solidFill>
-                <a:latin typeface="微软雅黑" pitchFamily="34" charset="-122"/>
-                <a:ea typeface="微软雅黑" pitchFamily="34" charset="-122"/>
-                <a:cs typeface="+mn-cs"/>
-              </a:defRPr>
-            </a:lvl3pPr>
-            <a:lvl4pPr algn="l" rtl="0" eaLnBrk="0" fontAlgn="base" hangingPunct="0">
-              <a:spcBef>
-                <a:spcPct val="0"/>
-              </a:spcBef>
-              <a:spcAft>
-                <a:spcPct val="0"/>
-              </a:spcAft>
-              <a:defRPr lang="zh-CN" altLang="en-US" sz="1400" b="1" kern="1200" dirty="0" smtClean="0">
-                <a:solidFill>
-                  <a:srgbClr val="000000"/>
-                </a:solidFill>
-                <a:latin typeface="微软雅黑" pitchFamily="34" charset="-122"/>
-                <a:ea typeface="微软雅黑" pitchFamily="34" charset="-122"/>
-                <a:cs typeface="+mn-cs"/>
-              </a:defRPr>
-            </a:lvl4pPr>
-            <a:lvl5pPr algn="l" rtl="0" eaLnBrk="0" fontAlgn="base" hangingPunct="0">
-              <a:spcBef>
-                <a:spcPct val="0"/>
-              </a:spcBef>
-              <a:spcAft>
-                <a:spcPct val="0"/>
-              </a:spcAft>
-              <a:defRPr lang="zh-CN" altLang="en-US" sz="1400" b="1" kern="1200" dirty="0">
-                <a:solidFill>
-                  <a:srgbClr val="000000"/>
-                </a:solidFill>
-                <a:latin typeface="微软雅黑" pitchFamily="34" charset="-122"/>
-                <a:ea typeface="微软雅黑" pitchFamily="34" charset="-122"/>
-                <a:cs typeface="+mn-cs"/>
-              </a:defRPr>
-            </a:lvl5pPr>
-          </a:lstStyle>
-          <a:p>
-            <a:r>
-              <a:rPr lang="en-US" altLang="zh-CN" sz="1400" b="1" dirty="0" smtClean="0">
-                <a:solidFill>
-                  <a:srgbClr val="000000"/>
-                </a:solidFill>
-                <a:latin typeface="微软雅黑" pitchFamily="34" charset="-122"/>
-                <a:ea typeface="微软雅黑" pitchFamily="34" charset="-122"/>
-              </a:rPr>
-              <a:t>2007-2016</a:t>
-            </a:r>
-            <a:r>
-              <a:rPr lang="zh-CN" altLang="en-US" sz="1400" b="1" dirty="0" smtClean="0">
-                <a:solidFill>
-                  <a:srgbClr val="000000"/>
-                </a:solidFill>
-                <a:latin typeface="微软雅黑" pitchFamily="34" charset="-122"/>
-                <a:ea typeface="微软雅黑" pitchFamily="34" charset="-122"/>
-              </a:rPr>
-              <a:t>片</a:t>
-            </a:r>
-            <a:r>
-              <a:rPr lang="zh-CN" altLang="en-US" sz="1400" b="1" dirty="0" smtClean="0">
-                <a:solidFill>
-                  <a:srgbClr val="000000"/>
-                </a:solidFill>
-                <a:latin typeface="微软雅黑" pitchFamily="34" charset="-122"/>
-                <a:ea typeface="微软雅黑" pitchFamily="34" charset="-122"/>
-              </a:rPr>
-              <a:t>区商品住宅存量及去化周期年度走势</a:t>
-            </a:r>
-            <a:endParaRPr lang="zh-CN" altLang="en-US" sz="1400" b="1" dirty="0">
-              <a:solidFill>
-                <a:srgbClr val="000000"/>
-              </a:solidFill>
-              <a:latin typeface="微软雅黑" pitchFamily="34" charset="-122"/>
-              <a:ea typeface="微软雅黑" pitchFamily="34" charset="-122"/>
-            </a:endParaRPr>
           </a:p>
         </p:txBody>
       </p:sp>
@@ -2866,181 +2450,23 @@
         </p:nvSpPr>
         <p:spPr>
           <a:xfrm>
-            <a:off x="1522800" y="3837600"/>
-            <a:ext cx="5673600" cy="2228400"/>
-          </a:xfrm>
-        </p:spPr>
-        <p:txBody>
-          <a:bodyPr/>
-          <a:lstStyle/>
-          <a:p>
-            <a:r>
-              <a:rPr lang="en-US" altLang="zh-CN" dirty="0" smtClean="0"/>
-              <a:t>1</a:t>
-            </a:r>
-            <a:endParaRPr lang="zh-CN" altLang="en-US" dirty="0"/>
-          </a:p>
-        </p:txBody>
-      </p:sp>
-      <p:sp>
-        <p:nvSpPr>
-          <p:cNvPr id="29" name="文本占位符 20"/>
-          <p:cNvSpPr>
-            <a:spLocks noGrp="1"/>
-          </p:cNvSpPr>
-          <p:nvPr>
-            <p:ph type="body" sz="quarter" idx="20" hasCustomPrompt="1"/>
-          </p:nvPr>
-        </p:nvSpPr>
-        <p:spPr>
-          <a:xfrm>
-            <a:off x="7171200" y="3553200"/>
-            <a:ext cx="4885200" cy="309600"/>
+            <a:off x="1522800" y="4114095"/>
+            <a:ext cx="5673600" cy="1968458"/>
           </a:xfrm>
         </p:spPr>
         <p:txBody>
           <a:bodyPr/>
           <a:lstStyle>
-            <a:lvl1pPr marL="0" indent="0" algn="l" rtl="0" eaLnBrk="0" fontAlgn="base" hangingPunct="0">
-              <a:spcBef>
-                <a:spcPct val="0"/>
-              </a:spcBef>
-              <a:spcAft>
-                <a:spcPct val="0"/>
-              </a:spcAft>
-              <a:buNone/>
-              <a:defRPr lang="zh-CN" altLang="en-US" sz="1400" b="1" kern="1200" dirty="0" smtClean="0">
-                <a:solidFill>
-                  <a:srgbClr val="000000"/>
-                </a:solidFill>
-                <a:latin typeface="微软雅黑" pitchFamily="34" charset="-122"/>
-                <a:ea typeface="微软雅黑" pitchFamily="34" charset="-122"/>
-                <a:cs typeface="+mn-cs"/>
-              </a:defRPr>
+            <a:lvl1pPr>
+              <a:defRPr/>
             </a:lvl1pPr>
-            <a:lvl2pPr algn="l" rtl="0" eaLnBrk="0" fontAlgn="base" hangingPunct="0">
-              <a:spcBef>
-                <a:spcPct val="0"/>
-              </a:spcBef>
-              <a:spcAft>
-                <a:spcPct val="0"/>
-              </a:spcAft>
-              <a:defRPr lang="zh-CN" altLang="en-US" sz="1400" b="1" kern="1200" dirty="0" smtClean="0">
-                <a:solidFill>
-                  <a:srgbClr val="000000"/>
-                </a:solidFill>
-                <a:latin typeface="微软雅黑" pitchFamily="34" charset="-122"/>
-                <a:ea typeface="微软雅黑" pitchFamily="34" charset="-122"/>
-                <a:cs typeface="+mn-cs"/>
-              </a:defRPr>
-            </a:lvl2pPr>
-            <a:lvl3pPr algn="l" rtl="0" eaLnBrk="0" fontAlgn="base" hangingPunct="0">
-              <a:spcBef>
-                <a:spcPct val="0"/>
-              </a:spcBef>
-              <a:spcAft>
-                <a:spcPct val="0"/>
-              </a:spcAft>
-              <a:defRPr lang="zh-CN" altLang="en-US" sz="1400" b="1" kern="1200" dirty="0" smtClean="0">
-                <a:solidFill>
-                  <a:srgbClr val="000000"/>
-                </a:solidFill>
-                <a:latin typeface="微软雅黑" pitchFamily="34" charset="-122"/>
-                <a:ea typeface="微软雅黑" pitchFamily="34" charset="-122"/>
-                <a:cs typeface="+mn-cs"/>
-              </a:defRPr>
-            </a:lvl3pPr>
-            <a:lvl4pPr algn="l" rtl="0" eaLnBrk="0" fontAlgn="base" hangingPunct="0">
-              <a:spcBef>
-                <a:spcPct val="0"/>
-              </a:spcBef>
-              <a:spcAft>
-                <a:spcPct val="0"/>
-              </a:spcAft>
-              <a:defRPr lang="zh-CN" altLang="en-US" sz="1400" b="1" kern="1200" dirty="0" smtClean="0">
-                <a:solidFill>
-                  <a:srgbClr val="000000"/>
-                </a:solidFill>
-                <a:latin typeface="微软雅黑" pitchFamily="34" charset="-122"/>
-                <a:ea typeface="微软雅黑" pitchFamily="34" charset="-122"/>
-                <a:cs typeface="+mn-cs"/>
-              </a:defRPr>
-            </a:lvl4pPr>
-            <a:lvl5pPr algn="l" rtl="0" eaLnBrk="0" fontAlgn="base" hangingPunct="0">
-              <a:spcBef>
-                <a:spcPct val="0"/>
-              </a:spcBef>
-              <a:spcAft>
-                <a:spcPct val="0"/>
-              </a:spcAft>
-              <a:defRPr lang="zh-CN" altLang="en-US" sz="1400" b="1" kern="1200" dirty="0">
-                <a:solidFill>
-                  <a:srgbClr val="000000"/>
-                </a:solidFill>
-                <a:latin typeface="微软雅黑" pitchFamily="34" charset="-122"/>
-                <a:ea typeface="微软雅黑" pitchFamily="34" charset="-122"/>
-                <a:cs typeface="+mn-cs"/>
-              </a:defRPr>
-            </a:lvl5pPr>
           </a:lstStyle>
           <a:p>
             <a:r>
-              <a:rPr lang="en-US" altLang="zh-CN" sz="1400" b="1" dirty="0" smtClean="0">
-                <a:solidFill>
-                  <a:srgbClr val="000000"/>
-                </a:solidFill>
-                <a:latin typeface="微软雅黑" pitchFamily="34" charset="-122"/>
-                <a:ea typeface="微软雅黑" pitchFamily="34" charset="-122"/>
-              </a:rPr>
-              <a:t>2017</a:t>
-            </a:r>
-            <a:r>
-              <a:rPr lang="zh-CN" altLang="en-US" sz="1400" b="1" dirty="0" smtClean="0">
-                <a:solidFill>
-                  <a:srgbClr val="000000"/>
-                </a:solidFill>
-                <a:latin typeface="微软雅黑" pitchFamily="34" charset="-122"/>
-                <a:ea typeface="微软雅黑" pitchFamily="34" charset="-122"/>
-              </a:rPr>
-              <a:t>年</a:t>
-            </a:r>
-            <a:r>
-              <a:rPr lang="en-US" altLang="zh-CN" sz="1400" b="1" dirty="0" smtClean="0">
-                <a:solidFill>
-                  <a:srgbClr val="000000"/>
-                </a:solidFill>
-                <a:latin typeface="微软雅黑" pitchFamily="34" charset="-122"/>
-                <a:ea typeface="微软雅黑" pitchFamily="34" charset="-122"/>
-              </a:rPr>
-              <a:t>1-8</a:t>
-            </a:r>
-            <a:r>
-              <a:rPr lang="zh-CN" altLang="en-US" sz="1400" b="1" dirty="0" smtClean="0">
-                <a:solidFill>
-                  <a:srgbClr val="000000"/>
-                </a:solidFill>
-                <a:latin typeface="微软雅黑" pitchFamily="34" charset="-122"/>
-                <a:ea typeface="微软雅黑" pitchFamily="34" charset="-122"/>
-              </a:rPr>
-              <a:t>月片</a:t>
-            </a:r>
-            <a:r>
-              <a:rPr lang="zh-CN" altLang="en-US" sz="1400" b="1" dirty="0" smtClean="0">
-                <a:solidFill>
-                  <a:srgbClr val="000000"/>
-                </a:solidFill>
-                <a:latin typeface="微软雅黑" pitchFamily="34" charset="-122"/>
-                <a:ea typeface="微软雅黑" pitchFamily="34" charset="-122"/>
-              </a:rPr>
-              <a:t>区商品住宅存量及去化周期月度走势</a:t>
-            </a:r>
-            <a:endParaRPr lang="zh-CN" altLang="en-US" sz="1400" b="1" dirty="0">
-              <a:solidFill>
-                <a:srgbClr val="000000"/>
-              </a:solidFill>
-              <a:latin typeface="微软雅黑" pitchFamily="34" charset="-122"/>
-              <a:ea typeface="微软雅黑" pitchFamily="34" charset="-122"/>
-            </a:endParaRPr>
+              <a:rPr lang="en-US" altLang="zh-CN" dirty="0" smtClean="0"/>
+              <a:t>3</a:t>
+            </a:r>
+            <a:endParaRPr lang="zh-CN" altLang="en-US" dirty="0"/>
           </a:p>
         </p:txBody>
       </p:sp>
@@ -3056,17 +2482,561 @@
         </p:nvSpPr>
         <p:spPr>
           <a:xfrm>
-            <a:off x="7171200" y="3837600"/>
-            <a:ext cx="4885200" cy="2228400"/>
+            <a:off x="7171200" y="4114095"/>
+            <a:ext cx="4885200" cy="1968458"/>
           </a:xfrm>
         </p:spPr>
         <p:txBody>
           <a:bodyPr/>
+          <a:lstStyle>
+            <a:lvl1pPr>
+              <a:defRPr/>
+            </a:lvl1pPr>
+          </a:lstStyle>
+          <a:p>
+            <a:r>
+              <a:rPr lang="en-US" altLang="zh-CN" dirty="0" smtClean="0"/>
+              <a:t>4</a:t>
+            </a:r>
+            <a:endParaRPr lang="zh-CN" altLang="en-US" dirty="0"/>
+          </a:p>
+        </p:txBody>
+      </p:sp>
+      <p:sp>
+        <p:nvSpPr>
+          <p:cNvPr id="16" name="TextBox 3"/>
+          <p:cNvSpPr txBox="1">
+            <a:spLocks noChangeArrowheads="1"/>
+          </p:cNvSpPr>
+          <p:nvPr userDrawn="1"/>
+        </p:nvSpPr>
+        <p:spPr bwMode="auto">
+          <a:xfrm>
+            <a:off x="1522800" y="1098000"/>
+            <a:ext cx="5673600" cy="276999"/>
+          </a:xfrm>
+          <a:prstGeom prst="rect">
+            <a:avLst/>
+          </a:prstGeom>
+          <a:noFill/>
+          <a:ln w="9525">
+            <a:noFill/>
+            <a:miter lim="800000"/>
+            <a:headEnd/>
+            <a:tailEnd/>
+          </a:ln>
+        </p:spPr>
+        <p:txBody>
+          <a:bodyPr wrap="square">
+            <a:spAutoFit/>
+          </a:bodyPr>
           <a:lstStyle/>
           <a:p>
             <a:r>
+              <a:rPr lang="en-US" altLang="zh-CN" sz="1200" b="0" dirty="0" smtClean="0">
+                <a:solidFill>
+                  <a:srgbClr val="000000"/>
+                </a:solidFill>
+                <a:latin typeface="微软雅黑" pitchFamily="34" charset="-122"/>
+                <a:ea typeface="微软雅黑" pitchFamily="34" charset="-122"/>
+              </a:rPr>
+              <a:t>2009-2017.8</a:t>
+            </a:r>
+            <a:r>
+              <a:rPr lang="zh-CN" altLang="en-US" sz="1200" b="0" dirty="0" smtClean="0">
+                <a:solidFill>
+                  <a:srgbClr val="000000"/>
+                </a:solidFill>
+                <a:latin typeface="微软雅黑" pitchFamily="34" charset="-122"/>
+                <a:ea typeface="微软雅黑" pitchFamily="34" charset="-122"/>
+              </a:rPr>
+              <a:t>住宅用地总建面与商品住宅年度供销走势</a:t>
+            </a:r>
+            <a:endParaRPr lang="zh-CN" altLang="en-US" sz="1200" b="0" dirty="0">
+              <a:solidFill>
+                <a:srgbClr val="000000"/>
+              </a:solidFill>
+              <a:latin typeface="微软雅黑" pitchFamily="34" charset="-122"/>
+              <a:ea typeface="微软雅黑" pitchFamily="34" charset="-122"/>
+            </a:endParaRPr>
+          </a:p>
+        </p:txBody>
+      </p:sp>
+      <p:sp>
+        <p:nvSpPr>
+          <p:cNvPr id="17" name="TextBox 3"/>
+          <p:cNvSpPr txBox="1">
+            <a:spLocks noChangeArrowheads="1"/>
+          </p:cNvSpPr>
+          <p:nvPr userDrawn="1"/>
+        </p:nvSpPr>
+        <p:spPr bwMode="auto">
+          <a:xfrm>
+            <a:off x="7171200" y="1098000"/>
+            <a:ext cx="4885200" cy="276999"/>
+          </a:xfrm>
+          <a:prstGeom prst="rect">
+            <a:avLst/>
+          </a:prstGeom>
+          <a:noFill/>
+          <a:ln w="9525">
+            <a:noFill/>
+            <a:miter lim="800000"/>
+            <a:headEnd/>
+            <a:tailEnd/>
+          </a:ln>
+        </p:spPr>
+        <p:txBody>
+          <a:bodyPr wrap="square">
+            <a:spAutoFit/>
+          </a:bodyPr>
+          <a:lstStyle/>
+          <a:p>
+            <a:r>
+              <a:rPr lang="en-US" altLang="zh-CN" sz="1200" b="0" dirty="0" smtClean="0">
+                <a:solidFill>
+                  <a:srgbClr val="000000"/>
+                </a:solidFill>
+                <a:latin typeface="微软雅黑" pitchFamily="34" charset="-122"/>
+                <a:ea typeface="微软雅黑" pitchFamily="34" charset="-122"/>
+              </a:rPr>
+              <a:t>2017</a:t>
+            </a:r>
+            <a:r>
+              <a:rPr lang="zh-CN" altLang="en-US" sz="1200" b="0" dirty="0" smtClean="0">
+                <a:solidFill>
+                  <a:srgbClr val="000000"/>
+                </a:solidFill>
+                <a:latin typeface="微软雅黑" pitchFamily="34" charset="-122"/>
+                <a:ea typeface="微软雅黑" pitchFamily="34" charset="-122"/>
+              </a:rPr>
+              <a:t>年</a:t>
+            </a:r>
+            <a:r>
+              <a:rPr lang="en-US" altLang="zh-CN" sz="1200" b="0" dirty="0" smtClean="0">
+                <a:solidFill>
+                  <a:srgbClr val="000000"/>
+                </a:solidFill>
+                <a:latin typeface="微软雅黑" pitchFamily="34" charset="-122"/>
+                <a:ea typeface="微软雅黑" pitchFamily="34" charset="-122"/>
+              </a:rPr>
+              <a:t>1-8</a:t>
+            </a:r>
+            <a:r>
+              <a:rPr lang="zh-CN" altLang="en-US" sz="1200" b="0" dirty="0" smtClean="0">
+                <a:solidFill>
+                  <a:srgbClr val="000000"/>
+                </a:solidFill>
+                <a:latin typeface="微软雅黑" pitchFamily="34" charset="-122"/>
+                <a:ea typeface="微软雅黑" pitchFamily="34" charset="-122"/>
+              </a:rPr>
+              <a:t>商品住宅月度供销走势</a:t>
+            </a:r>
+            <a:endParaRPr lang="zh-CN" altLang="en-US" sz="1200" b="0" dirty="0">
+              <a:solidFill>
+                <a:srgbClr val="000000"/>
+              </a:solidFill>
+              <a:latin typeface="微软雅黑" pitchFamily="34" charset="-122"/>
+              <a:ea typeface="微软雅黑" pitchFamily="34" charset="-122"/>
+            </a:endParaRPr>
+          </a:p>
+        </p:txBody>
+      </p:sp>
+      <p:sp>
+        <p:nvSpPr>
+          <p:cNvPr id="18" name="TextBox 3"/>
+          <p:cNvSpPr txBox="1">
+            <a:spLocks noChangeArrowheads="1"/>
+          </p:cNvSpPr>
+          <p:nvPr userDrawn="1"/>
+        </p:nvSpPr>
+        <p:spPr bwMode="auto">
+          <a:xfrm>
+            <a:off x="1522800" y="3830370"/>
+            <a:ext cx="5673600" cy="276999"/>
+          </a:xfrm>
+          <a:prstGeom prst="rect">
+            <a:avLst/>
+          </a:prstGeom>
+          <a:noFill/>
+          <a:ln w="9525">
+            <a:noFill/>
+            <a:miter lim="800000"/>
+            <a:headEnd/>
+            <a:tailEnd/>
+          </a:ln>
+        </p:spPr>
+        <p:txBody>
+          <a:bodyPr wrap="square">
+            <a:spAutoFit/>
+          </a:bodyPr>
+          <a:lstStyle/>
+          <a:p>
+            <a:r>
+              <a:rPr lang="en-US" altLang="zh-CN" sz="1200" b="0" dirty="0" smtClean="0">
+                <a:solidFill>
+                  <a:srgbClr val="000000"/>
+                </a:solidFill>
+                <a:latin typeface="微软雅黑" pitchFamily="34" charset="-122"/>
+                <a:ea typeface="微软雅黑" pitchFamily="34" charset="-122"/>
+              </a:rPr>
+              <a:t>2009-2017.8</a:t>
+            </a:r>
+            <a:r>
+              <a:rPr lang="zh-CN" altLang="en-US" sz="1200" b="0" dirty="0" smtClean="0">
+                <a:solidFill>
+                  <a:srgbClr val="000000"/>
+                </a:solidFill>
+                <a:latin typeface="微软雅黑" pitchFamily="34" charset="-122"/>
+                <a:ea typeface="微软雅黑" pitchFamily="34" charset="-122"/>
+              </a:rPr>
+              <a:t>商品住宅存量及去化周期年度走势</a:t>
+            </a:r>
+            <a:endParaRPr lang="zh-CN" altLang="en-US" sz="1200" b="0" dirty="0">
+              <a:solidFill>
+                <a:srgbClr val="000000"/>
+              </a:solidFill>
+              <a:latin typeface="微软雅黑" pitchFamily="34" charset="-122"/>
+              <a:ea typeface="微软雅黑" pitchFamily="34" charset="-122"/>
+            </a:endParaRPr>
+          </a:p>
+        </p:txBody>
+      </p:sp>
+      <p:sp>
+        <p:nvSpPr>
+          <p:cNvPr id="19" name="TextBox 3"/>
+          <p:cNvSpPr txBox="1">
+            <a:spLocks noChangeArrowheads="1"/>
+          </p:cNvSpPr>
+          <p:nvPr userDrawn="1"/>
+        </p:nvSpPr>
+        <p:spPr bwMode="auto">
+          <a:xfrm>
+            <a:off x="7171200" y="3830370"/>
+            <a:ext cx="4885200" cy="309600"/>
+          </a:xfrm>
+          <a:prstGeom prst="rect">
+            <a:avLst/>
+          </a:prstGeom>
+          <a:noFill/>
+          <a:ln w="9525">
+            <a:noFill/>
+            <a:miter lim="800000"/>
+            <a:headEnd/>
+            <a:tailEnd/>
+          </a:ln>
+        </p:spPr>
+        <p:txBody>
+          <a:bodyPr wrap="square">
+            <a:spAutoFit/>
+          </a:bodyPr>
+          <a:lstStyle/>
+          <a:p>
+            <a:r>
+              <a:rPr lang="en-US" altLang="zh-CN" sz="1200" b="0" dirty="0" smtClean="0">
+                <a:solidFill>
+                  <a:srgbClr val="000000"/>
+                </a:solidFill>
+                <a:latin typeface="微软雅黑" pitchFamily="34" charset="-122"/>
+                <a:ea typeface="微软雅黑" pitchFamily="34" charset="-122"/>
+              </a:rPr>
+              <a:t>2007</a:t>
+            </a:r>
+            <a:r>
+              <a:rPr lang="zh-CN" altLang="en-US" sz="1200" b="0" dirty="0" smtClean="0">
+                <a:solidFill>
+                  <a:srgbClr val="000000"/>
+                </a:solidFill>
+                <a:latin typeface="微软雅黑" pitchFamily="34" charset="-122"/>
+                <a:ea typeface="微软雅黑" pitchFamily="34" charset="-122"/>
+              </a:rPr>
+              <a:t>年</a:t>
+            </a:r>
+            <a:r>
+              <a:rPr lang="en-US" altLang="zh-CN" sz="1200" b="0" dirty="0" smtClean="0">
+                <a:solidFill>
+                  <a:srgbClr val="000000"/>
+                </a:solidFill>
+                <a:latin typeface="微软雅黑" pitchFamily="34" charset="-122"/>
+                <a:ea typeface="微软雅黑" pitchFamily="34" charset="-122"/>
+              </a:rPr>
+              <a:t>1-8</a:t>
+            </a:r>
+            <a:r>
+              <a:rPr lang="zh-CN" altLang="en-US" sz="1200" b="0" dirty="0" smtClean="0">
+                <a:solidFill>
+                  <a:srgbClr val="000000"/>
+                </a:solidFill>
+                <a:latin typeface="微软雅黑" pitchFamily="34" charset="-122"/>
+                <a:ea typeface="微软雅黑" pitchFamily="34" charset="-122"/>
+              </a:rPr>
+              <a:t>月商品住宅存量及去化周期月度走势</a:t>
+            </a:r>
+            <a:endParaRPr lang="zh-CN" altLang="en-US" sz="1200" b="0" dirty="0">
+              <a:solidFill>
+                <a:srgbClr val="000000"/>
+              </a:solidFill>
+              <a:latin typeface="微软雅黑" pitchFamily="34" charset="-122"/>
+              <a:ea typeface="微软雅黑" pitchFamily="34" charset="-122"/>
+            </a:endParaRPr>
+          </a:p>
+        </p:txBody>
+      </p:sp>
+      <p:sp>
+        <p:nvSpPr>
+          <p:cNvPr id="20" name="文本占位符 19"/>
+          <p:cNvSpPr>
+            <a:spLocks noGrp="1"/>
+          </p:cNvSpPr>
+          <p:nvPr>
+            <p:ph type="body" sz="quarter" idx="22" hasCustomPrompt="1"/>
+          </p:nvPr>
+        </p:nvSpPr>
+        <p:spPr>
+          <a:xfrm>
+            <a:off x="1522800" y="837867"/>
+            <a:ext cx="10533600" cy="306388"/>
+          </a:xfrm>
+        </p:spPr>
+        <p:txBody>
+          <a:bodyPr/>
+          <a:lstStyle>
+            <a:lvl1pPr marL="0" indent="0" algn="l" rtl="0" eaLnBrk="0" fontAlgn="base" hangingPunct="0">
+              <a:spcBef>
+                <a:spcPct val="0"/>
+              </a:spcBef>
+              <a:spcAft>
+                <a:spcPts val="600"/>
+              </a:spcAft>
+              <a:buNone/>
+              <a:defRPr lang="zh-CN" altLang="en-US" sz="1400" b="1" kern="1200" dirty="0" smtClean="0">
+                <a:solidFill>
+                  <a:schemeClr val="tx1">
+                    <a:lumMod val="85000"/>
+                    <a:lumOff val="15000"/>
+                  </a:schemeClr>
+                </a:solidFill>
+                <a:latin typeface="微软雅黑" pitchFamily="34" charset="-122"/>
+                <a:ea typeface="微软雅黑" pitchFamily="34" charset="-122"/>
+                <a:cs typeface="+mn-cs"/>
+              </a:defRPr>
+            </a:lvl1pPr>
+            <a:lvl2pPr marL="387350" indent="0" algn="l" rtl="0" eaLnBrk="0" fontAlgn="base" hangingPunct="0">
+              <a:spcBef>
+                <a:spcPct val="0"/>
+              </a:spcBef>
+              <a:spcAft>
+                <a:spcPts val="600"/>
+              </a:spcAft>
+              <a:buNone/>
+              <a:defRPr lang="zh-CN" altLang="en-US" sz="1600" b="1" kern="1200" dirty="0" smtClean="0">
+                <a:solidFill>
+                  <a:srgbClr val="064670"/>
+                </a:solidFill>
+                <a:latin typeface="微软雅黑" pitchFamily="34" charset="-122"/>
+                <a:ea typeface="微软雅黑" pitchFamily="34" charset="-122"/>
+                <a:cs typeface="+mn-cs"/>
+              </a:defRPr>
+            </a:lvl2pPr>
+            <a:lvl3pPr marL="777875" indent="0" algn="l" rtl="0" eaLnBrk="0" fontAlgn="base" hangingPunct="0">
+              <a:spcBef>
+                <a:spcPct val="0"/>
+              </a:spcBef>
+              <a:spcAft>
+                <a:spcPts val="600"/>
+              </a:spcAft>
+              <a:buNone/>
+              <a:defRPr lang="zh-CN" altLang="en-US" sz="1600" b="1" kern="1200" dirty="0" smtClean="0">
+                <a:solidFill>
+                  <a:srgbClr val="064670"/>
+                </a:solidFill>
+                <a:latin typeface="微软雅黑" pitchFamily="34" charset="-122"/>
+                <a:ea typeface="微软雅黑" pitchFamily="34" charset="-122"/>
+                <a:cs typeface="+mn-cs"/>
+              </a:defRPr>
+            </a:lvl3pPr>
+            <a:lvl4pPr marL="1167130" indent="0" algn="l" rtl="0" eaLnBrk="0" fontAlgn="base" hangingPunct="0">
+              <a:spcBef>
+                <a:spcPct val="0"/>
+              </a:spcBef>
+              <a:spcAft>
+                <a:spcPts val="600"/>
+              </a:spcAft>
+              <a:buNone/>
+              <a:defRPr lang="zh-CN" altLang="en-US" sz="1600" b="1" kern="1200" dirty="0" smtClean="0">
+                <a:solidFill>
+                  <a:srgbClr val="064670"/>
+                </a:solidFill>
+                <a:latin typeface="微软雅黑" pitchFamily="34" charset="-122"/>
+                <a:ea typeface="微软雅黑" pitchFamily="34" charset="-122"/>
+                <a:cs typeface="+mn-cs"/>
+              </a:defRPr>
+            </a:lvl4pPr>
+            <a:lvl5pPr marL="1554480" indent="0" algn="l" rtl="0" eaLnBrk="0" fontAlgn="base" hangingPunct="0">
+              <a:spcBef>
+                <a:spcPct val="0"/>
+              </a:spcBef>
+              <a:spcAft>
+                <a:spcPts val="600"/>
+              </a:spcAft>
+              <a:buNone/>
+              <a:defRPr lang="zh-CN" altLang="en-US" sz="1600" b="1" kern="1200" dirty="0">
+                <a:solidFill>
+                  <a:srgbClr val="064670"/>
+                </a:solidFill>
+                <a:latin typeface="微软雅黑" pitchFamily="34" charset="-122"/>
+                <a:ea typeface="微软雅黑" pitchFamily="34" charset="-122"/>
+                <a:cs typeface="+mn-cs"/>
+              </a:defRPr>
+            </a:lvl5pPr>
+          </a:lstStyle>
+          <a:p>
+            <a:pPr lvl="0"/>
+            <a:r>
               <a:rPr lang="en-US" altLang="zh-CN" dirty="0" smtClean="0"/>
-              <a:t>1</a:t>
+              <a:t>【</a:t>
+            </a:r>
+            <a:r>
+              <a:rPr lang="zh-CN" altLang="en-US" dirty="0" smtClean="0"/>
+              <a:t>量价表现</a:t>
+            </a:r>
+            <a:r>
+              <a:rPr lang="en-US" altLang="zh-CN" dirty="0" smtClean="0"/>
+              <a:t>】</a:t>
+            </a:r>
+            <a:r>
+              <a:rPr lang="zh-CN" altLang="en-US" dirty="0" smtClean="0"/>
+              <a:t>小结论</a:t>
+            </a:r>
+            <a:endParaRPr lang="zh-CN" altLang="en-US" dirty="0"/>
+          </a:p>
+        </p:txBody>
+      </p:sp>
+      <p:sp>
+        <p:nvSpPr>
+          <p:cNvPr id="28" name="文本占位符 19"/>
+          <p:cNvSpPr>
+            <a:spLocks noGrp="1"/>
+          </p:cNvSpPr>
+          <p:nvPr>
+            <p:ph type="body" sz="quarter" idx="23" hasCustomPrompt="1"/>
+          </p:nvPr>
+        </p:nvSpPr>
+        <p:spPr>
+          <a:xfrm>
+            <a:off x="1516154" y="3542840"/>
+            <a:ext cx="10533600" cy="306388"/>
+          </a:xfrm>
+        </p:spPr>
+        <p:txBody>
+          <a:bodyPr/>
+          <a:lstStyle>
+            <a:lvl1pPr marL="0" indent="0" algn="l" rtl="0" eaLnBrk="0" fontAlgn="base" hangingPunct="0">
+              <a:spcBef>
+                <a:spcPct val="0"/>
+              </a:spcBef>
+              <a:spcAft>
+                <a:spcPts val="600"/>
+              </a:spcAft>
+              <a:buNone/>
+              <a:defRPr lang="zh-CN" altLang="en-US" sz="1400" b="1" kern="1200" dirty="0" smtClean="0">
+                <a:solidFill>
+                  <a:schemeClr val="tx1">
+                    <a:lumMod val="85000"/>
+                    <a:lumOff val="15000"/>
+                  </a:schemeClr>
+                </a:solidFill>
+                <a:latin typeface="微软雅黑" pitchFamily="34" charset="-122"/>
+                <a:ea typeface="微软雅黑" pitchFamily="34" charset="-122"/>
+                <a:cs typeface="+mn-cs"/>
+              </a:defRPr>
+            </a:lvl1pPr>
+            <a:lvl2pPr marL="387350" indent="0" algn="l" rtl="0" eaLnBrk="0" fontAlgn="base" hangingPunct="0">
+              <a:spcBef>
+                <a:spcPct val="0"/>
+              </a:spcBef>
+              <a:spcAft>
+                <a:spcPts val="600"/>
+              </a:spcAft>
+              <a:buNone/>
+              <a:defRPr lang="zh-CN" altLang="en-US" sz="1600" b="1" kern="1200" dirty="0" smtClean="0">
+                <a:solidFill>
+                  <a:srgbClr val="064670"/>
+                </a:solidFill>
+                <a:latin typeface="微软雅黑" pitchFamily="34" charset="-122"/>
+                <a:ea typeface="微软雅黑" pitchFamily="34" charset="-122"/>
+                <a:cs typeface="+mn-cs"/>
+              </a:defRPr>
+            </a:lvl2pPr>
+            <a:lvl3pPr marL="777875" indent="0" algn="l" rtl="0" eaLnBrk="0" fontAlgn="base" hangingPunct="0">
+              <a:spcBef>
+                <a:spcPct val="0"/>
+              </a:spcBef>
+              <a:spcAft>
+                <a:spcPts val="600"/>
+              </a:spcAft>
+              <a:buNone/>
+              <a:defRPr lang="zh-CN" altLang="en-US" sz="1600" b="1" kern="1200" dirty="0" smtClean="0">
+                <a:solidFill>
+                  <a:srgbClr val="064670"/>
+                </a:solidFill>
+                <a:latin typeface="微软雅黑" pitchFamily="34" charset="-122"/>
+                <a:ea typeface="微软雅黑" pitchFamily="34" charset="-122"/>
+                <a:cs typeface="+mn-cs"/>
+              </a:defRPr>
+            </a:lvl3pPr>
+            <a:lvl4pPr marL="1167130" indent="0" algn="l" rtl="0" eaLnBrk="0" fontAlgn="base" hangingPunct="0">
+              <a:spcBef>
+                <a:spcPct val="0"/>
+              </a:spcBef>
+              <a:spcAft>
+                <a:spcPts val="600"/>
+              </a:spcAft>
+              <a:buNone/>
+              <a:defRPr lang="zh-CN" altLang="en-US" sz="1600" b="1" kern="1200" dirty="0" smtClean="0">
+                <a:solidFill>
+                  <a:srgbClr val="064670"/>
+                </a:solidFill>
+                <a:latin typeface="微软雅黑" pitchFamily="34" charset="-122"/>
+                <a:ea typeface="微软雅黑" pitchFamily="34" charset="-122"/>
+                <a:cs typeface="+mn-cs"/>
+              </a:defRPr>
+            </a:lvl4pPr>
+            <a:lvl5pPr marL="1554480" indent="0" algn="l" rtl="0" eaLnBrk="0" fontAlgn="base" hangingPunct="0">
+              <a:spcBef>
+                <a:spcPct val="0"/>
+              </a:spcBef>
+              <a:spcAft>
+                <a:spcPts val="600"/>
+              </a:spcAft>
+              <a:buNone/>
+              <a:defRPr lang="zh-CN" altLang="en-US" sz="1600" b="1" kern="1200" dirty="0">
+                <a:solidFill>
+                  <a:srgbClr val="064670"/>
+                </a:solidFill>
+                <a:latin typeface="微软雅黑" pitchFamily="34" charset="-122"/>
+                <a:ea typeface="微软雅黑" pitchFamily="34" charset="-122"/>
+                <a:cs typeface="+mn-cs"/>
+              </a:defRPr>
+            </a:lvl5pPr>
+          </a:lstStyle>
+          <a:p>
+            <a:pPr lvl="0"/>
+            <a:r>
+              <a:rPr lang="en-US" altLang="zh-CN" dirty="0" smtClean="0"/>
+              <a:t>【</a:t>
+            </a:r>
+            <a:r>
+              <a:rPr lang="zh-CN" altLang="en-US" dirty="0" smtClean="0"/>
+              <a:t>存量水平</a:t>
+            </a:r>
+            <a:r>
+              <a:rPr lang="en-US" altLang="zh-CN" dirty="0" smtClean="0"/>
+              <a:t>】</a:t>
+            </a:r>
+            <a:r>
+              <a:rPr lang="zh-CN" altLang="en-US" dirty="0" smtClean="0"/>
+              <a:t>小结论</a:t>
             </a:r>
             <a:endParaRPr lang="zh-CN" altLang="en-US" dirty="0"/>
           </a:p>
@@ -4733,4 +4703,265 @@
   <a:objectDefaults/>
   <a:extraClrSchemeLst/>
 </a:theme>
+</file>
+
+<file path=ppt/theme/theme3.xml><?xml version="1.0" encoding="utf-8"?>
+<a:theme xmlns:a="http://schemas.openxmlformats.org/drawingml/2006/main" name="Office 主题​​">
+  <a:themeElements>
+    <a:clrScheme name="Office">
+      <a:dk1>
+        <a:sysClr val="windowText" lastClr="000000"/>
+      </a:dk1>
+      <a:lt1>
+        <a:sysClr val="window" lastClr="FFFFFF"/>
+      </a:lt1>
+      <a:dk2>
+        <a:srgbClr val="44546A"/>
+      </a:dk2>
+      <a:lt2>
+        <a:srgbClr val="E7E6E6"/>
+      </a:lt2>
+      <a:accent1>
+        <a:srgbClr val="5B9BD5"/>
+      </a:accent1>
+      <a:accent2>
+        <a:srgbClr val="ED7D31"/>
+      </a:accent2>
+      <a:accent3>
+        <a:srgbClr val="A5A5A5"/>
+      </a:accent3>
+      <a:accent4>
+        <a:srgbClr val="FFC000"/>
+      </a:accent4>
+      <a:accent5>
+        <a:srgbClr val="4472C4"/>
+      </a:accent5>
+      <a:accent6>
+        <a:srgbClr val="70AD47"/>
+      </a:accent6>
+      <a:hlink>
+        <a:srgbClr val="0563C1"/>
+      </a:hlink>
+      <a:folHlink>
+        <a:srgbClr val="954F72"/>
+      </a:folHlink>
+    </a:clrScheme>
+    <a:fontScheme name="Office">
+      <a:majorFont>
+        <a:latin typeface="等线 Light" panose="020F0302020204030204"/>
+        <a:ea typeface=""/>
+        <a:cs typeface=""/>
+        <a:font script="Jpan" typeface="游ゴシック Light"/>
+        <a:font script="Hang" typeface="맑은 고딕"/>
+        <a:font script="Hans" typeface="等线 Light"/>
+        <a:font script="Hant" typeface="新細明體"/>
+        <a:font script="Arab" typeface="Times New Roman"/>
+        <a:font script="Hebr" typeface="Times New Roman"/>
+        <a:font script="Thai" typeface="Angsana New"/>
+        <a:font script="Ethi" typeface="Nyala"/>
+        <a:font script="Beng" typeface="Vrinda"/>
+        <a:font script="Gujr" typeface="Shruti"/>
+        <a:font script="Khmr" typeface="MoolBoran"/>
+        <a:font script="Knda" typeface="Tunga"/>
+        <a:font script="Guru" typeface="Raavi"/>
+        <a:font script="Cans" typeface="Euphemia"/>
+        <a:font script="Cher" typeface="Plantagenet Cherokee"/>
+        <a:font script="Yiii" typeface="Microsoft Yi Baiti"/>
+        <a:font script="Tibt" typeface="Microsoft Himalaya"/>
+        <a:font script="Thaa" typeface="MV Boli"/>
+        <a:font script="Deva" typeface="Mangal"/>
+        <a:font script="Telu" typeface="Gautami"/>
+        <a:font script="Taml" typeface="Latha"/>
+        <a:font script="Syrc" typeface="Estrangelo Edessa"/>
+        <a:font script="Orya" typeface="Kalinga"/>
+        <a:font script="Mlym" typeface="Kartika"/>
+        <a:font script="Laoo" typeface="DokChampa"/>
+        <a:font script="Sinh" typeface="Iskoola Pota"/>
+        <a:font script="Mong" typeface="Mongolian Baiti"/>
+        <a:font script="Viet" typeface="Times New Roman"/>
+        <a:font script="Uigh" typeface="Microsoft Uighur"/>
+        <a:font script="Geor" typeface="Sylfaen"/>
+      </a:majorFont>
+      <a:minorFont>
+        <a:latin typeface="等线" panose="020F0502020204030204"/>
+        <a:ea typeface=""/>
+        <a:cs typeface=""/>
+        <a:font script="Jpan" typeface="游ゴシック"/>
+        <a:font script="Hang" typeface="맑은 고딕"/>
+        <a:font script="Hans" typeface="等线"/>
+        <a:font script="Hant" typeface="新細明體"/>
+        <a:font script="Arab" typeface="Arial"/>
+        <a:font script="Hebr" typeface="Arial"/>
+        <a:font script="Thai" typeface="Cordia New"/>
+        <a:font script="Ethi" typeface="Nyala"/>
+        <a:font script="Beng" typeface="Vrinda"/>
+        <a:font script="Gujr" typeface="Shruti"/>
+        <a:font script="Khmr" typeface="DaunPenh"/>
+        <a:font script="Knda" typeface="Tunga"/>
+        <a:font script="Guru" typeface="Raavi"/>
+        <a:font script="Cans" typeface="Euphemia"/>
+        <a:font script="Cher" typeface="Plantagenet Cherokee"/>
+        <a:font script="Yiii" typeface="Microsoft Yi Baiti"/>
+        <a:font script="Tibt" typeface="Microsoft Himalaya"/>
+        <a:font script="Thaa" typeface="MV Boli"/>
+        <a:font script="Deva" typeface="Mangal"/>
+        <a:font script="Telu" typeface="Gautami"/>
+        <a:font script="Taml" typeface="Latha"/>
+        <a:font script="Syrc" typeface="Estrangelo Edessa"/>
+        <a:font script="Orya" typeface="Kalinga"/>
+        <a:font script="Mlym" typeface="Kartika"/>
+        <a:font script="Laoo" typeface="DokChampa"/>
+        <a:font script="Sinh" typeface="Iskoola Pota"/>
+        <a:font script="Mong" typeface="Mongolian Baiti"/>
+        <a:font script="Viet" typeface="Arial"/>
+        <a:font script="Uigh" typeface="Microsoft Uighur"/>
+        <a:font script="Geor" typeface="Sylfaen"/>
+      </a:minorFont>
+    </a:fontScheme>
+    <a:fmtScheme name="Office">
+      <a:fillStyleLst>
+        <a:solidFill>
+          <a:schemeClr val="phClr"/>
+        </a:solidFill>
+        <a:gradFill rotWithShape="1">
+          <a:gsLst>
+            <a:gs pos="0">
+              <a:schemeClr val="phClr">
+                <a:lumMod val="110000"/>
+                <a:satMod val="105000"/>
+                <a:tint val="67000"/>
+              </a:schemeClr>
+            </a:gs>
+            <a:gs pos="50000">
+              <a:schemeClr val="phClr">
+                <a:lumMod val="105000"/>
+                <a:satMod val="103000"/>
+                <a:tint val="73000"/>
+              </a:schemeClr>
+            </a:gs>
+            <a:gs pos="100000">
+              <a:schemeClr val="phClr">
+                <a:lumMod val="105000"/>
+                <a:satMod val="109000"/>
+                <a:tint val="81000"/>
+              </a:schemeClr>
+            </a:gs>
+          </a:gsLst>
+          <a:lin ang="5400000" scaled="0"/>
+        </a:gradFill>
+        <a:gradFill rotWithShape="1">
+          <a:gsLst>
+            <a:gs pos="0">
+              <a:schemeClr val="phClr">
+                <a:satMod val="103000"/>
+                <a:lumMod val="102000"/>
+                <a:tint val="94000"/>
+              </a:schemeClr>
+            </a:gs>
+            <a:gs pos="50000">
+              <a:schemeClr val="phClr">
+                <a:satMod val="110000"/>
+                <a:lumMod val="100000"/>
+                <a:shade val="100000"/>
+              </a:schemeClr>
+            </a:gs>
+            <a:gs pos="100000">
+              <a:schemeClr val="phClr">
+                <a:lumMod val="99000"/>
+                <a:satMod val="120000"/>
+                <a:shade val="78000"/>
+              </a:schemeClr>
+            </a:gs>
+          </a:gsLst>
+          <a:lin ang="5400000" scaled="0"/>
+        </a:gradFill>
+      </a:fillStyleLst>
+      <a:lnStyleLst>
+        <a:ln w="6350" cap="flat" cmpd="sng" algn="ctr">
+          <a:solidFill>
+            <a:schemeClr val="phClr"/>
+          </a:solidFill>
+          <a:prstDash val="solid"/>
+          <a:miter lim="800000"/>
+        </a:ln>
+        <a:ln w="12700" cap="flat" cmpd="sng" algn="ctr">
+          <a:solidFill>
+            <a:schemeClr val="phClr"/>
+          </a:solidFill>
+          <a:prstDash val="solid"/>
+          <a:miter lim="800000"/>
+        </a:ln>
+        <a:ln w="19050" cap="flat" cmpd="sng" algn="ctr">
+          <a:solidFill>
+            <a:schemeClr val="phClr"/>
+          </a:solidFill>
+          <a:prstDash val="solid"/>
+          <a:miter lim="800000"/>
+        </a:ln>
+      </a:lnStyleLst>
+      <a:effectStyleLst>
+        <a:effectStyle>
+          <a:effectLst/>
+        </a:effectStyle>
+        <a:effectStyle>
+          <a:effectLst/>
+        </a:effectStyle>
+        <a:effectStyle>
+          <a:effectLst>
+            <a:outerShdw blurRad="57150" dist="19050" dir="5400000" algn="ctr" rotWithShape="0">
+              <a:srgbClr val="000000">
+                <a:alpha val="63000"/>
+              </a:srgbClr>
+            </a:outerShdw>
+          </a:effectLst>
+        </a:effectStyle>
+      </a:effectStyleLst>
+      <a:bgFillStyleLst>
+        <a:solidFill>
+          <a:schemeClr val="phClr"/>
+        </a:solidFill>
+        <a:solidFill>
+          <a:schemeClr val="phClr">
+            <a:tint val="95000"/>
+            <a:satMod val="170000"/>
+          </a:schemeClr>
+        </a:solidFill>
+        <a:gradFill rotWithShape="1">
+          <a:gsLst>
+            <a:gs pos="0">
+              <a:schemeClr val="phClr">
+                <a:tint val="93000"/>
+                <a:satMod val="150000"/>
+                <a:shade val="98000"/>
+                <a:lumMod val="102000"/>
+              </a:schemeClr>
+            </a:gs>
+            <a:gs pos="50000">
+              <a:schemeClr val="phClr">
+                <a:tint val="98000"/>
+                <a:satMod val="130000"/>
+                <a:shade val="90000"/>
+                <a:lumMod val="103000"/>
+              </a:schemeClr>
+            </a:gs>
+            <a:gs pos="100000">
+              <a:schemeClr val="phClr">
+                <a:shade val="63000"/>
+                <a:satMod val="120000"/>
+              </a:schemeClr>
+            </a:gs>
+          </a:gsLst>
+          <a:lin ang="5400000" scaled="0"/>
+        </a:gradFill>
+      </a:bgFillStyleLst>
+    </a:fmtScheme>
+  </a:themeElements>
+  <a:objectDefaults/>
+  <a:extraClrSchemeLst/>
+  <a:extLst>
+    <a:ext uri="{05A4C25C-085E-4340-85A3-A5531E510DB2}">
+      <thm15:themeFamily xmlns:thm15="http://schemas.microsoft.com/office/thememl/2012/main" name="Office Theme" id="{62F939B6-93AF-4DB8-9C6B-D6C7DFDC589F}" vid="{4A3C46E8-61CC-4603-A589-7422A47A8E4A}"/>
+    </a:ext>
+  </a:extLst>
+</a:theme>
 </file>